--- a/doc/b1873 - Disposable reverse proxy architecture.pptx
+++ b/doc/b1873 - Disposable reverse proxy architecture.pptx
@@ -261,7 +261,7 @@
           <a:p>
             <a:fld id="{24077C6C-A31D-4D75-B922-498914159D5A}" type="datetimeFigureOut">
               <a:rPr lang="en-GB" smtClean="0"/>
-              <a:t>03/01/2024</a:t>
+              <a:t>04/01/2024</a:t>
             </a:fld>
             <a:endParaRPr lang="en-GB"/>
           </a:p>
@@ -461,7 +461,7 @@
           <a:p>
             <a:fld id="{24077C6C-A31D-4D75-B922-498914159D5A}" type="datetimeFigureOut">
               <a:rPr lang="en-GB" smtClean="0"/>
-              <a:t>03/01/2024</a:t>
+              <a:t>04/01/2024</a:t>
             </a:fld>
             <a:endParaRPr lang="en-GB"/>
           </a:p>
@@ -671,7 +671,7 @@
           <a:p>
             <a:fld id="{24077C6C-A31D-4D75-B922-498914159D5A}" type="datetimeFigureOut">
               <a:rPr lang="en-GB" smtClean="0"/>
-              <a:t>03/01/2024</a:t>
+              <a:t>04/01/2024</a:t>
             </a:fld>
             <a:endParaRPr lang="en-GB"/>
           </a:p>
@@ -871,7 +871,7 @@
           <a:p>
             <a:fld id="{24077C6C-A31D-4D75-B922-498914159D5A}" type="datetimeFigureOut">
               <a:rPr lang="en-GB" smtClean="0"/>
-              <a:t>03/01/2024</a:t>
+              <a:t>04/01/2024</a:t>
             </a:fld>
             <a:endParaRPr lang="en-GB"/>
           </a:p>
@@ -1147,7 +1147,7 @@
           <a:p>
             <a:fld id="{24077C6C-A31D-4D75-B922-498914159D5A}" type="datetimeFigureOut">
               <a:rPr lang="en-GB" smtClean="0"/>
-              <a:t>03/01/2024</a:t>
+              <a:t>04/01/2024</a:t>
             </a:fld>
             <a:endParaRPr lang="en-GB"/>
           </a:p>
@@ -1415,7 +1415,7 @@
           <a:p>
             <a:fld id="{24077C6C-A31D-4D75-B922-498914159D5A}" type="datetimeFigureOut">
               <a:rPr lang="en-GB" smtClean="0"/>
-              <a:t>03/01/2024</a:t>
+              <a:t>04/01/2024</a:t>
             </a:fld>
             <a:endParaRPr lang="en-GB"/>
           </a:p>
@@ -1830,7 +1830,7 @@
           <a:p>
             <a:fld id="{24077C6C-A31D-4D75-B922-498914159D5A}" type="datetimeFigureOut">
               <a:rPr lang="en-GB" smtClean="0"/>
-              <a:t>03/01/2024</a:t>
+              <a:t>04/01/2024</a:t>
             </a:fld>
             <a:endParaRPr lang="en-GB"/>
           </a:p>
@@ -1972,7 +1972,7 @@
           <a:p>
             <a:fld id="{24077C6C-A31D-4D75-B922-498914159D5A}" type="datetimeFigureOut">
               <a:rPr lang="en-GB" smtClean="0"/>
-              <a:t>03/01/2024</a:t>
+              <a:t>04/01/2024</a:t>
             </a:fld>
             <a:endParaRPr lang="en-GB"/>
           </a:p>
@@ -2085,7 +2085,7 @@
           <a:p>
             <a:fld id="{24077C6C-A31D-4D75-B922-498914159D5A}" type="datetimeFigureOut">
               <a:rPr lang="en-GB" smtClean="0"/>
-              <a:t>03/01/2024</a:t>
+              <a:t>04/01/2024</a:t>
             </a:fld>
             <a:endParaRPr lang="en-GB"/>
           </a:p>
@@ -2398,7 +2398,7 @@
           <a:p>
             <a:fld id="{24077C6C-A31D-4D75-B922-498914159D5A}" type="datetimeFigureOut">
               <a:rPr lang="en-GB" smtClean="0"/>
-              <a:t>03/01/2024</a:t>
+              <a:t>04/01/2024</a:t>
             </a:fld>
             <a:endParaRPr lang="en-GB"/>
           </a:p>
@@ -2687,7 +2687,7 @@
           <a:p>
             <a:fld id="{24077C6C-A31D-4D75-B922-498914159D5A}" type="datetimeFigureOut">
               <a:rPr lang="en-GB" smtClean="0"/>
-              <a:t>03/01/2024</a:t>
+              <a:t>04/01/2024</a:t>
             </a:fld>
             <a:endParaRPr lang="en-GB"/>
           </a:p>
@@ -2930,7 +2930,7 @@
           <a:p>
             <a:fld id="{24077C6C-A31D-4D75-B922-498914159D5A}" type="datetimeFigureOut">
               <a:rPr lang="en-GB" smtClean="0"/>
-              <a:t>03/01/2024</a:t>
+              <a:t>04/01/2024</a:t>
             </a:fld>
             <a:endParaRPr lang="en-GB"/>
           </a:p>
@@ -4331,7 +4331,7 @@
         <p:spPr>
           <a:xfrm>
             <a:off x="8637495" y="5107454"/>
-            <a:ext cx="3202204" cy="1066833"/>
+            <a:ext cx="3202204" cy="1259870"/>
           </a:xfrm>
           <a:prstGeom prst="flowChartMultidocument">
             <a:avLst/>
@@ -4364,7 +4364,7 @@
             </a:r>
             <a:r>
               <a:rPr lang="en-GB" sz="1100" dirty="0"/>
-              <a:t>(be that on a multi-instance, an entire instance, perhaps some replicas are shared, etc.)</a:t>
+              <a:t>(be that on a server, an independent instance, perhaps some replicas the master is independent but the replicas are shared, etc.)</a:t>
             </a:r>
           </a:p>
         </p:txBody>
@@ -4427,7 +4427,7 @@
         <p:spPr>
           <a:xfrm>
             <a:off x="9238129" y="2307723"/>
-            <a:ext cx="1783977" cy="430887"/>
+            <a:ext cx="1783977" cy="600164"/>
           </a:xfrm>
           <a:prstGeom prst="rect">
             <a:avLst/>
@@ -4459,7 +4459,7 @@
             </a:pPr>
             <a:r>
               <a:rPr lang="en-GB" sz="1100" dirty="0"/>
-              <a:t>Temp rules without </a:t>
+              <a:t>Temporary rules without </a:t>
             </a:r>
             <a:r>
               <a:rPr lang="en-GB" sz="1100" dirty="0" err="1"/>
@@ -4467,7 +4467,7 @@
             </a:r>
             <a:r>
               <a:rPr lang="en-GB" sz="1100" dirty="0"/>
-              <a:t>/route53 rule</a:t>
+              <a:t>/route53 rule, which point to sailing servers</a:t>
             </a:r>
           </a:p>
         </p:txBody>
@@ -4542,8 +4542,8 @@
         </p:nvCxnSpPr>
         <p:spPr>
           <a:xfrm>
-            <a:off x="10130118" y="2738610"/>
-            <a:ext cx="328779" cy="2368844"/>
+            <a:off x="10130118" y="2907887"/>
+            <a:ext cx="328779" cy="2199567"/>
           </a:xfrm>
           <a:prstGeom prst="straightConnector1">
             <a:avLst/>
@@ -5250,7 +5250,7 @@
             </a:r>
             <a:r>
               <a:rPr lang="en-GB" sz="1300" dirty="0"/>
-              <a:t> ALB are separate listeners</a:t>
+              <a:t> ALBs are separate listeners</a:t>
             </a:r>
           </a:p>
         </p:txBody>

--- a/doc/b1873 - Disposable reverse proxy architecture.pptx
+++ b/doc/b1873 - Disposable reverse proxy architecture.pptx
@@ -261,7 +261,7 @@
           <a:p>
             <a:fld id="{24077C6C-A31D-4D75-B922-498914159D5A}" type="datetimeFigureOut">
               <a:rPr lang="en-GB" smtClean="0"/>
-              <a:t>04/01/2024</a:t>
+              <a:t>31/03/2024</a:t>
             </a:fld>
             <a:endParaRPr lang="en-GB"/>
           </a:p>
@@ -461,7 +461,7 @@
           <a:p>
             <a:fld id="{24077C6C-A31D-4D75-B922-498914159D5A}" type="datetimeFigureOut">
               <a:rPr lang="en-GB" smtClean="0"/>
-              <a:t>04/01/2024</a:t>
+              <a:t>31/03/2024</a:t>
             </a:fld>
             <a:endParaRPr lang="en-GB"/>
           </a:p>
@@ -671,7 +671,7 @@
           <a:p>
             <a:fld id="{24077C6C-A31D-4D75-B922-498914159D5A}" type="datetimeFigureOut">
               <a:rPr lang="en-GB" smtClean="0"/>
-              <a:t>04/01/2024</a:t>
+              <a:t>31/03/2024</a:t>
             </a:fld>
             <a:endParaRPr lang="en-GB"/>
           </a:p>
@@ -871,7 +871,7 @@
           <a:p>
             <a:fld id="{24077C6C-A31D-4D75-B922-498914159D5A}" type="datetimeFigureOut">
               <a:rPr lang="en-GB" smtClean="0"/>
-              <a:t>04/01/2024</a:t>
+              <a:t>31/03/2024</a:t>
             </a:fld>
             <a:endParaRPr lang="en-GB"/>
           </a:p>
@@ -1147,7 +1147,7 @@
           <a:p>
             <a:fld id="{24077C6C-A31D-4D75-B922-498914159D5A}" type="datetimeFigureOut">
               <a:rPr lang="en-GB" smtClean="0"/>
-              <a:t>04/01/2024</a:t>
+              <a:t>31/03/2024</a:t>
             </a:fld>
             <a:endParaRPr lang="en-GB"/>
           </a:p>
@@ -1415,7 +1415,7 @@
           <a:p>
             <a:fld id="{24077C6C-A31D-4D75-B922-498914159D5A}" type="datetimeFigureOut">
               <a:rPr lang="en-GB" smtClean="0"/>
-              <a:t>04/01/2024</a:t>
+              <a:t>31/03/2024</a:t>
             </a:fld>
             <a:endParaRPr lang="en-GB"/>
           </a:p>
@@ -1830,7 +1830,7 @@
           <a:p>
             <a:fld id="{24077C6C-A31D-4D75-B922-498914159D5A}" type="datetimeFigureOut">
               <a:rPr lang="en-GB" smtClean="0"/>
-              <a:t>04/01/2024</a:t>
+              <a:t>31/03/2024</a:t>
             </a:fld>
             <a:endParaRPr lang="en-GB"/>
           </a:p>
@@ -1972,7 +1972,7 @@
           <a:p>
             <a:fld id="{24077C6C-A31D-4D75-B922-498914159D5A}" type="datetimeFigureOut">
               <a:rPr lang="en-GB" smtClean="0"/>
-              <a:t>04/01/2024</a:t>
+              <a:t>31/03/2024</a:t>
             </a:fld>
             <a:endParaRPr lang="en-GB"/>
           </a:p>
@@ -2085,7 +2085,7 @@
           <a:p>
             <a:fld id="{24077C6C-A31D-4D75-B922-498914159D5A}" type="datetimeFigureOut">
               <a:rPr lang="en-GB" smtClean="0"/>
-              <a:t>04/01/2024</a:t>
+              <a:t>31/03/2024</a:t>
             </a:fld>
             <a:endParaRPr lang="en-GB"/>
           </a:p>
@@ -2398,7 +2398,7 @@
           <a:p>
             <a:fld id="{24077C6C-A31D-4D75-B922-498914159D5A}" type="datetimeFigureOut">
               <a:rPr lang="en-GB" smtClean="0"/>
-              <a:t>04/01/2024</a:t>
+              <a:t>31/03/2024</a:t>
             </a:fld>
             <a:endParaRPr lang="en-GB"/>
           </a:p>
@@ -2687,7 +2687,7 @@
           <a:p>
             <a:fld id="{24077C6C-A31D-4D75-B922-498914159D5A}" type="datetimeFigureOut">
               <a:rPr lang="en-GB" smtClean="0"/>
-              <a:t>04/01/2024</a:t>
+              <a:t>31/03/2024</a:t>
             </a:fld>
             <a:endParaRPr lang="en-GB"/>
           </a:p>
@@ -2930,7 +2930,7 @@
           <a:p>
             <a:fld id="{24077C6C-A31D-4D75-B922-498914159D5A}" type="datetimeFigureOut">
               <a:rPr lang="en-GB" smtClean="0"/>
-              <a:t>04/01/2024</a:t>
+              <a:t>31/03/2024</a:t>
             </a:fld>
             <a:endParaRPr lang="en-GB"/>
           </a:p>
@@ -3938,9 +3938,9 @@
         <p:grpSpPr>
           <a:xfrm>
             <a:off x="3703547" y="1956268"/>
-            <a:ext cx="3377454" cy="1639946"/>
+            <a:ext cx="3377454" cy="1470668"/>
             <a:chOff x="3702424" y="1479718"/>
-            <a:chExt cx="3377454" cy="1639946"/>
+            <a:chExt cx="3377454" cy="1470668"/>
           </a:xfrm>
         </p:grpSpPr>
         <p:sp>
@@ -4008,7 +4008,7 @@
           <p:spPr>
             <a:xfrm>
               <a:off x="3702424" y="2180945"/>
-              <a:ext cx="1057835" cy="938719"/>
+              <a:ext cx="1057835" cy="769441"/>
             </a:xfrm>
             <a:prstGeom prst="rect">
               <a:avLst/>
@@ -4059,19 +4059,10 @@
                 <a:buChar char="•"/>
               </a:pPr>
               <a:r>
-                <a:rPr lang="en-GB" sz="1100" dirty="0"/>
-                <a:t>Httpd git</a:t>
-              </a:r>
-            </a:p>
-            <a:p>
-              <a:pPr marL="171450" indent="-171450">
-                <a:buFont typeface="Arial" panose="020B0604020202020204" pitchFamily="34" charset="0"/>
-                <a:buChar char="•"/>
-              </a:pPr>
-              <a:r>
-                <a:rPr lang="en-GB" sz="1100" dirty="0"/>
+                <a:rPr lang="en-GB" sz="1100"/>
                 <a:t>Wiki</a:t>
               </a:r>
+              <a:endParaRPr lang="en-GB" sz="1100" dirty="0"/>
             </a:p>
             <a:p>
               <a:pPr marL="171450" indent="-171450">
@@ -4740,8 +4731,8 @@
         </p:nvCxnSpPr>
         <p:spPr>
           <a:xfrm flipH="1">
-            <a:off x="1084735" y="3596214"/>
-            <a:ext cx="3147730" cy="1401904"/>
+            <a:off x="1084735" y="3426936"/>
+            <a:ext cx="3147730" cy="1571182"/>
           </a:xfrm>
           <a:prstGeom prst="straightConnector1">
             <a:avLst/>
@@ -5270,7 +5261,7 @@
         <p:spPr>
           <a:xfrm>
             <a:off x="385948" y="2383398"/>
-            <a:ext cx="1593014" cy="461665"/>
+            <a:ext cx="1593014" cy="646331"/>
           </a:xfrm>
           <a:prstGeom prst="rect">
             <a:avLst/>
@@ -5302,7 +5293,7 @@
             </a:pPr>
             <a:r>
               <a:rPr lang="en-GB" sz="1200" dirty="0"/>
-              <a:t>Private IPs used to route to targets</a:t>
+              <a:t>Private IPs of instances are used to route to targets</a:t>
             </a:r>
           </a:p>
         </p:txBody>
